--- a/AndrewNg/tu .pptx
+++ b/AndrewNg/tu .pptx
@@ -6,6 +6,7 @@
   </p:sldMasterIdLst>
   <p:sldIdLst>
     <p:sldId id="256" r:id="rId2"/>
+    <p:sldId id="257" r:id="rId3"/>
   </p:sldIdLst>
   <p:sldSz cx="12192000" cy="6858000"/>
   <p:notesSz cx="6858000" cy="9144000"/>
@@ -104,6 +105,11 @@
       </a:defRPr>
     </a:lvl9pPr>
   </p:defaultTextStyle>
+  <p:extLst>
+    <p:ext uri="{EFAFB233-063F-42B5-8137-9DF3F51BA10A}">
+      <p15:sldGuideLst xmlns:p15="http://schemas.microsoft.com/office/powerpoint/2012/main"/>
+    </p:ext>
+  </p:extLst>
 </p:presentation>
 </file>
 
@@ -254,7 +260,7 @@
           <a:p>
             <a:fld id="{C13FF8BE-5DA8-4418-963A-2F3CCB5756F9}" type="datetimeFigureOut">
               <a:rPr lang="zh-CN" altLang="en-US" smtClean="0"/>
-              <a:t>2022/1/19</a:t>
+              <a:t>2022/2/7</a:t>
             </a:fld>
             <a:endParaRPr lang="zh-CN" altLang="en-US"/>
           </a:p>
@@ -452,7 +458,7 @@
           <a:p>
             <a:fld id="{C13FF8BE-5DA8-4418-963A-2F3CCB5756F9}" type="datetimeFigureOut">
               <a:rPr lang="zh-CN" altLang="en-US" smtClean="0"/>
-              <a:t>2022/1/19</a:t>
+              <a:t>2022/2/7</a:t>
             </a:fld>
             <a:endParaRPr lang="zh-CN" altLang="en-US"/>
           </a:p>
@@ -660,7 +666,7 @@
           <a:p>
             <a:fld id="{C13FF8BE-5DA8-4418-963A-2F3CCB5756F9}" type="datetimeFigureOut">
               <a:rPr lang="zh-CN" altLang="en-US" smtClean="0"/>
-              <a:t>2022/1/19</a:t>
+              <a:t>2022/2/7</a:t>
             </a:fld>
             <a:endParaRPr lang="zh-CN" altLang="en-US"/>
           </a:p>
@@ -858,7 +864,7 @@
           <a:p>
             <a:fld id="{C13FF8BE-5DA8-4418-963A-2F3CCB5756F9}" type="datetimeFigureOut">
               <a:rPr lang="zh-CN" altLang="en-US" smtClean="0"/>
-              <a:t>2022/1/19</a:t>
+              <a:t>2022/2/7</a:t>
             </a:fld>
             <a:endParaRPr lang="zh-CN" altLang="en-US"/>
           </a:p>
@@ -1133,7 +1139,7 @@
           <a:p>
             <a:fld id="{C13FF8BE-5DA8-4418-963A-2F3CCB5756F9}" type="datetimeFigureOut">
               <a:rPr lang="zh-CN" altLang="en-US" smtClean="0"/>
-              <a:t>2022/1/19</a:t>
+              <a:t>2022/2/7</a:t>
             </a:fld>
             <a:endParaRPr lang="zh-CN" altLang="en-US"/>
           </a:p>
@@ -1398,7 +1404,7 @@
           <a:p>
             <a:fld id="{C13FF8BE-5DA8-4418-963A-2F3CCB5756F9}" type="datetimeFigureOut">
               <a:rPr lang="zh-CN" altLang="en-US" smtClean="0"/>
-              <a:t>2022/1/19</a:t>
+              <a:t>2022/2/7</a:t>
             </a:fld>
             <a:endParaRPr lang="zh-CN" altLang="en-US"/>
           </a:p>
@@ -1810,7 +1816,7 @@
           <a:p>
             <a:fld id="{C13FF8BE-5DA8-4418-963A-2F3CCB5756F9}" type="datetimeFigureOut">
               <a:rPr lang="zh-CN" altLang="en-US" smtClean="0"/>
-              <a:t>2022/1/19</a:t>
+              <a:t>2022/2/7</a:t>
             </a:fld>
             <a:endParaRPr lang="zh-CN" altLang="en-US"/>
           </a:p>
@@ -1951,7 +1957,7 @@
           <a:p>
             <a:fld id="{C13FF8BE-5DA8-4418-963A-2F3CCB5756F9}" type="datetimeFigureOut">
               <a:rPr lang="zh-CN" altLang="en-US" smtClean="0"/>
-              <a:t>2022/1/19</a:t>
+              <a:t>2022/2/7</a:t>
             </a:fld>
             <a:endParaRPr lang="zh-CN" altLang="en-US"/>
           </a:p>
@@ -2064,7 +2070,7 @@
           <a:p>
             <a:fld id="{C13FF8BE-5DA8-4418-963A-2F3CCB5756F9}" type="datetimeFigureOut">
               <a:rPr lang="zh-CN" altLang="en-US" smtClean="0"/>
-              <a:t>2022/1/19</a:t>
+              <a:t>2022/2/7</a:t>
             </a:fld>
             <a:endParaRPr lang="zh-CN" altLang="en-US"/>
           </a:p>
@@ -2375,7 +2381,7 @@
           <a:p>
             <a:fld id="{C13FF8BE-5DA8-4418-963A-2F3CCB5756F9}" type="datetimeFigureOut">
               <a:rPr lang="zh-CN" altLang="en-US" smtClean="0"/>
-              <a:t>2022/1/19</a:t>
+              <a:t>2022/2/7</a:t>
             </a:fld>
             <a:endParaRPr lang="zh-CN" altLang="en-US"/>
           </a:p>
@@ -2663,7 +2669,7 @@
           <a:p>
             <a:fld id="{C13FF8BE-5DA8-4418-963A-2F3CCB5756F9}" type="datetimeFigureOut">
               <a:rPr lang="zh-CN" altLang="en-US" smtClean="0"/>
-              <a:t>2022/1/19</a:t>
+              <a:t>2022/2/7</a:t>
             </a:fld>
             <a:endParaRPr lang="zh-CN" altLang="en-US"/>
           </a:p>
@@ -2904,7 +2910,7 @@
           <a:p>
             <a:fld id="{C13FF8BE-5DA8-4418-963A-2F3CCB5756F9}" type="datetimeFigureOut">
               <a:rPr lang="zh-CN" altLang="en-US" smtClean="0"/>
-              <a:t>2022/1/19</a:t>
+              <a:t>2022/2/7</a:t>
             </a:fld>
             <a:endParaRPr lang="zh-CN" altLang="en-US"/>
           </a:p>
@@ -4300,8 +4306,8 @@
           </a:p>
         </p:txBody>
       </p:sp>
-      <mc:AlternateContent xmlns:mc="http://schemas.openxmlformats.org/markup-compatibility/2006">
-        <mc:Choice xmlns:a14="http://schemas.microsoft.com/office/drawing/2010/main" Requires="a14">
+      <mc:AlternateContent xmlns:mc="http://schemas.openxmlformats.org/markup-compatibility/2006" xmlns:a14="http://schemas.microsoft.com/office/drawing/2010/main">
+        <mc:Choice Requires="a14">
           <p:sp>
             <p:nvSpPr>
               <p:cNvPr id="17" name="文本框 16">
@@ -4330,6 +4336,7 @@
               </a:bodyPr>
               <a:lstStyle/>
               <a:p>
+                <a:pPr/>
                 <a14:m>
                   <m:oMathPara xmlns:m="http://schemas.openxmlformats.org/officeDocument/2006/math">
                     <m:oMathParaPr>
@@ -4381,7 +4388,7 @@
             </p:txBody>
           </p:sp>
         </mc:Choice>
-        <mc:Fallback>
+        <mc:Fallback xmlns="">
           <p:sp>
             <p:nvSpPr>
               <p:cNvPr id="17" name="文本框 16">
@@ -4426,8 +4433,8 @@
           </p:sp>
         </mc:Fallback>
       </mc:AlternateContent>
-      <mc:AlternateContent xmlns:mc="http://schemas.openxmlformats.org/markup-compatibility/2006">
-        <mc:Choice xmlns:a14="http://schemas.microsoft.com/office/drawing/2010/main" Requires="a14">
+      <mc:AlternateContent xmlns:mc="http://schemas.openxmlformats.org/markup-compatibility/2006" xmlns:a14="http://schemas.microsoft.com/office/drawing/2010/main">
+        <mc:Choice Requires="a14">
           <p:sp>
             <p:nvSpPr>
               <p:cNvPr id="18" name="文本框 17">
@@ -4456,6 +4463,7 @@
               </a:bodyPr>
               <a:lstStyle/>
               <a:p>
+                <a:pPr/>
                 <a14:m>
                   <m:oMathPara xmlns:m="http://schemas.openxmlformats.org/officeDocument/2006/math">
                     <m:oMathParaPr>
@@ -4507,7 +4515,7 @@
             </p:txBody>
           </p:sp>
         </mc:Choice>
-        <mc:Fallback>
+        <mc:Fallback xmlns="">
           <p:sp>
             <p:nvSpPr>
               <p:cNvPr id="18" name="文本框 17">
@@ -4638,8 +4646,8 @@
           </a:fontRef>
         </p:style>
       </p:cxnSp>
-      <mc:AlternateContent xmlns:mc="http://schemas.openxmlformats.org/markup-compatibility/2006">
-        <mc:Choice xmlns:a14="http://schemas.microsoft.com/office/drawing/2010/main" Requires="a14">
+      <mc:AlternateContent xmlns:mc="http://schemas.openxmlformats.org/markup-compatibility/2006" xmlns:a14="http://schemas.microsoft.com/office/drawing/2010/main">
+        <mc:Choice Requires="a14">
           <p:sp>
             <p:nvSpPr>
               <p:cNvPr id="22" name="文本框 21">
@@ -4668,6 +4676,7 @@
               </a:bodyPr>
               <a:lstStyle/>
               <a:p>
+                <a:pPr/>
                 <a14:m>
                   <m:oMathPara xmlns:m="http://schemas.openxmlformats.org/officeDocument/2006/math">
                     <m:oMathParaPr>
@@ -4707,7 +4716,7 @@
             </p:txBody>
           </p:sp>
         </mc:Choice>
-        <mc:Fallback>
+        <mc:Fallback xmlns="">
           <p:sp>
             <p:nvSpPr>
               <p:cNvPr id="22" name="文本框 21">
@@ -4752,8 +4761,8 @@
           </p:sp>
         </mc:Fallback>
       </mc:AlternateContent>
-      <mc:AlternateContent xmlns:mc="http://schemas.openxmlformats.org/markup-compatibility/2006">
-        <mc:Choice xmlns:a14="http://schemas.microsoft.com/office/drawing/2010/main" Requires="a14">
+      <mc:AlternateContent xmlns:mc="http://schemas.openxmlformats.org/markup-compatibility/2006" xmlns:a14="http://schemas.microsoft.com/office/drawing/2010/main">
+        <mc:Choice Requires="a14">
           <p:sp>
             <p:nvSpPr>
               <p:cNvPr id="23" name="文本框 22">
@@ -4782,6 +4791,7 @@
               </a:bodyPr>
               <a:lstStyle/>
               <a:p>
+                <a:pPr/>
                 <a14:m>
                   <m:oMathPara xmlns:m="http://schemas.openxmlformats.org/officeDocument/2006/math">
                     <m:oMathParaPr>
@@ -4821,7 +4831,7 @@
             </p:txBody>
           </p:sp>
         </mc:Choice>
-        <mc:Fallback>
+        <mc:Fallback xmlns="">
           <p:sp>
             <p:nvSpPr>
               <p:cNvPr id="23" name="文本框 22">
@@ -4952,8 +4962,8 @@
           </a:fontRef>
         </p:style>
       </p:cxnSp>
-      <mc:AlternateContent xmlns:mc="http://schemas.openxmlformats.org/markup-compatibility/2006">
-        <mc:Choice xmlns:a14="http://schemas.microsoft.com/office/drawing/2010/main" Requires="a14">
+      <mc:AlternateContent xmlns:mc="http://schemas.openxmlformats.org/markup-compatibility/2006" xmlns:a14="http://schemas.microsoft.com/office/drawing/2010/main">
+        <mc:Choice Requires="a14">
           <p:sp>
             <p:nvSpPr>
               <p:cNvPr id="26" name="文本框 25">
@@ -4982,6 +4992,7 @@
               </a:bodyPr>
               <a:lstStyle/>
               <a:p>
+                <a:pPr/>
                 <a14:m>
                   <m:oMathPara xmlns:m="http://schemas.openxmlformats.org/officeDocument/2006/math">
                     <m:oMathParaPr>
@@ -5021,7 +5032,7 @@
             </p:txBody>
           </p:sp>
         </mc:Choice>
-        <mc:Fallback>
+        <mc:Fallback xmlns="">
           <p:sp>
             <p:nvSpPr>
               <p:cNvPr id="26" name="文本框 25">
@@ -5066,8 +5077,8 @@
           </p:sp>
         </mc:Fallback>
       </mc:AlternateContent>
-      <mc:AlternateContent xmlns:mc="http://schemas.openxmlformats.org/markup-compatibility/2006">
-        <mc:Choice xmlns:a14="http://schemas.microsoft.com/office/drawing/2010/main" Requires="a14">
+      <mc:AlternateContent xmlns:mc="http://schemas.openxmlformats.org/markup-compatibility/2006" xmlns:a14="http://schemas.microsoft.com/office/drawing/2010/main">
+        <mc:Choice Requires="a14">
           <p:sp>
             <p:nvSpPr>
               <p:cNvPr id="27" name="文本框 26">
@@ -5096,6 +5107,7 @@
               </a:bodyPr>
               <a:lstStyle/>
               <a:p>
+                <a:pPr/>
                 <a14:m>
                   <m:oMathPara xmlns:m="http://schemas.openxmlformats.org/officeDocument/2006/math">
                     <m:oMathParaPr>
@@ -5135,7 +5147,7 @@
             </p:txBody>
           </p:sp>
         </mc:Choice>
-        <mc:Fallback>
+        <mc:Fallback xmlns="">
           <p:sp>
             <p:nvSpPr>
               <p:cNvPr id="27" name="文本框 26">
@@ -5266,8 +5278,8 @@
           </a:fontRef>
         </p:style>
       </p:cxnSp>
-      <mc:AlternateContent xmlns:mc="http://schemas.openxmlformats.org/markup-compatibility/2006">
-        <mc:Choice xmlns:a14="http://schemas.microsoft.com/office/drawing/2010/main" Requires="a14">
+      <mc:AlternateContent xmlns:mc="http://schemas.openxmlformats.org/markup-compatibility/2006" xmlns:a14="http://schemas.microsoft.com/office/drawing/2010/main">
+        <mc:Choice Requires="a14">
           <p:sp>
             <p:nvSpPr>
               <p:cNvPr id="30" name="文本框 29">
@@ -5296,6 +5308,7 @@
               </a:bodyPr>
               <a:lstStyle/>
               <a:p>
+                <a:pPr/>
                 <a14:m>
                   <m:oMathPara xmlns:m="http://schemas.openxmlformats.org/officeDocument/2006/math">
                     <m:oMathParaPr>
@@ -5366,7 +5379,7 @@
             </p:txBody>
           </p:sp>
         </mc:Choice>
-        <mc:Fallback>
+        <mc:Fallback xmlns="">
           <p:sp>
             <p:nvSpPr>
               <p:cNvPr id="30" name="文本框 29">
@@ -5411,8 +5424,8 @@
           </p:sp>
         </mc:Fallback>
       </mc:AlternateContent>
-      <mc:AlternateContent xmlns:mc="http://schemas.openxmlformats.org/markup-compatibility/2006">
-        <mc:Choice xmlns:a14="http://schemas.microsoft.com/office/drawing/2010/main" Requires="a14">
+      <mc:AlternateContent xmlns:mc="http://schemas.openxmlformats.org/markup-compatibility/2006" xmlns:a14="http://schemas.microsoft.com/office/drawing/2010/main">
+        <mc:Choice Requires="a14">
           <p:sp>
             <p:nvSpPr>
               <p:cNvPr id="31" name="文本框 30">
@@ -5441,6 +5454,7 @@
               </a:bodyPr>
               <a:lstStyle/>
               <a:p>
+                <a:pPr/>
                 <a14:m>
                   <m:oMathPara xmlns:m="http://schemas.openxmlformats.org/officeDocument/2006/math">
                     <m:oMathParaPr>
@@ -5511,7 +5525,7 @@
             </p:txBody>
           </p:sp>
         </mc:Choice>
-        <mc:Fallback>
+        <mc:Fallback xmlns="">
           <p:sp>
             <p:nvSpPr>
               <p:cNvPr id="31" name="文本框 30">
@@ -5734,8 +5748,8 @@
           </a:fontRef>
         </p:style>
       </p:cxnSp>
-      <mc:AlternateContent xmlns:mc="http://schemas.openxmlformats.org/markup-compatibility/2006">
-        <mc:Choice xmlns:a14="http://schemas.microsoft.com/office/drawing/2010/main" Requires="a14">
+      <mc:AlternateContent xmlns:mc="http://schemas.openxmlformats.org/markup-compatibility/2006" xmlns:a14="http://schemas.microsoft.com/office/drawing/2010/main">
+        <mc:Choice Requires="a14">
           <p:sp>
             <p:nvSpPr>
               <p:cNvPr id="40" name="文本框 39">
@@ -5764,6 +5778,7 @@
               </a:bodyPr>
               <a:lstStyle/>
               <a:p>
+                <a:pPr/>
                 <a14:m>
                   <m:oMathPara xmlns:m="http://schemas.openxmlformats.org/officeDocument/2006/math">
                     <m:oMathParaPr>
@@ -5803,7 +5818,7 @@
             </p:txBody>
           </p:sp>
         </mc:Choice>
-        <mc:Fallback>
+        <mc:Fallback xmlns="">
           <p:sp>
             <p:nvSpPr>
               <p:cNvPr id="40" name="文本框 39">
@@ -5848,8 +5863,8 @@
           </p:sp>
         </mc:Fallback>
       </mc:AlternateContent>
-      <mc:AlternateContent xmlns:mc="http://schemas.openxmlformats.org/markup-compatibility/2006">
-        <mc:Choice xmlns:a14="http://schemas.microsoft.com/office/drawing/2010/main" Requires="a14">
+      <mc:AlternateContent xmlns:mc="http://schemas.openxmlformats.org/markup-compatibility/2006" xmlns:a14="http://schemas.microsoft.com/office/drawing/2010/main">
+        <mc:Choice Requires="a14">
           <p:sp>
             <p:nvSpPr>
               <p:cNvPr id="41" name="文本框 40">
@@ -5878,6 +5893,7 @@
               </a:bodyPr>
               <a:lstStyle/>
               <a:p>
+                <a:pPr/>
                 <a14:m>
                   <m:oMathPara xmlns:m="http://schemas.openxmlformats.org/officeDocument/2006/math">
                     <m:oMathParaPr>
@@ -5917,7 +5933,7 @@
             </p:txBody>
           </p:sp>
         </mc:Choice>
-        <mc:Fallback>
+        <mc:Fallback xmlns="">
           <p:sp>
             <p:nvSpPr>
               <p:cNvPr id="41" name="文本框 40">
@@ -5962,8 +5978,8 @@
           </p:sp>
         </mc:Fallback>
       </mc:AlternateContent>
-      <mc:AlternateContent xmlns:mc="http://schemas.openxmlformats.org/markup-compatibility/2006">
-        <mc:Choice xmlns:a14="http://schemas.microsoft.com/office/drawing/2010/main" Requires="a14">
+      <mc:AlternateContent xmlns:mc="http://schemas.openxmlformats.org/markup-compatibility/2006" xmlns:a14="http://schemas.microsoft.com/office/drawing/2010/main">
+        <mc:Choice Requires="a14">
           <p:sp>
             <p:nvSpPr>
               <p:cNvPr id="42" name="文本框 41">
@@ -5992,6 +6008,7 @@
               </a:bodyPr>
               <a:lstStyle/>
               <a:p>
+                <a:pPr/>
                 <a14:m>
                   <m:oMathPara xmlns:m="http://schemas.openxmlformats.org/officeDocument/2006/math">
                     <m:oMathParaPr>
@@ -6031,7 +6048,7 @@
             </p:txBody>
           </p:sp>
         </mc:Choice>
-        <mc:Fallback>
+        <mc:Fallback xmlns="">
           <p:sp>
             <p:nvSpPr>
               <p:cNvPr id="42" name="文本框 41">
@@ -6076,8 +6093,8 @@
           </p:sp>
         </mc:Fallback>
       </mc:AlternateContent>
-      <mc:AlternateContent xmlns:mc="http://schemas.openxmlformats.org/markup-compatibility/2006">
-        <mc:Choice xmlns:a14="http://schemas.microsoft.com/office/drawing/2010/main" Requires="a14">
+      <mc:AlternateContent xmlns:mc="http://schemas.openxmlformats.org/markup-compatibility/2006" xmlns:a14="http://schemas.microsoft.com/office/drawing/2010/main">
+        <mc:Choice Requires="a14">
           <p:sp>
             <p:nvSpPr>
               <p:cNvPr id="43" name="文本框 42">
@@ -6106,6 +6123,7 @@
               </a:bodyPr>
               <a:lstStyle/>
               <a:p>
+                <a:pPr/>
                 <a14:m>
                   <m:oMathPara xmlns:m="http://schemas.openxmlformats.org/officeDocument/2006/math">
                     <m:oMathParaPr>
@@ -6176,7 +6194,7 @@
             </p:txBody>
           </p:sp>
         </mc:Choice>
-        <mc:Fallback>
+        <mc:Fallback xmlns="">
           <p:sp>
             <p:nvSpPr>
               <p:cNvPr id="43" name="文本框 42">
@@ -6262,8 +6280,8 @@
           </a:fontRef>
         </p:style>
       </p:cxnSp>
-      <mc:AlternateContent xmlns:mc="http://schemas.openxmlformats.org/markup-compatibility/2006">
-        <mc:Choice xmlns:a14="http://schemas.microsoft.com/office/drawing/2010/main" Requires="a14">
+      <mc:AlternateContent xmlns:mc="http://schemas.openxmlformats.org/markup-compatibility/2006" xmlns:a14="http://schemas.microsoft.com/office/drawing/2010/main">
+        <mc:Choice Requires="a14">
           <p:sp>
             <p:nvSpPr>
               <p:cNvPr id="48" name="文本框 47">
@@ -6292,6 +6310,7 @@
               </a:bodyPr>
               <a:lstStyle/>
               <a:p>
+                <a:pPr/>
                 <a14:m>
                   <m:oMathPara xmlns:m="http://schemas.openxmlformats.org/officeDocument/2006/math">
                     <m:oMathParaPr>
@@ -6331,7 +6350,7 @@
             </p:txBody>
           </p:sp>
         </mc:Choice>
-        <mc:Fallback>
+        <mc:Fallback xmlns="">
           <p:sp>
             <p:nvSpPr>
               <p:cNvPr id="48" name="文本框 47">
@@ -6376,8 +6395,8 @@
           </p:sp>
         </mc:Fallback>
       </mc:AlternateContent>
-      <mc:AlternateContent xmlns:mc="http://schemas.openxmlformats.org/markup-compatibility/2006">
-        <mc:Choice xmlns:a14="http://schemas.microsoft.com/office/drawing/2010/main" Requires="a14">
+      <mc:AlternateContent xmlns:mc="http://schemas.openxmlformats.org/markup-compatibility/2006" xmlns:a14="http://schemas.microsoft.com/office/drawing/2010/main">
+        <mc:Choice Requires="a14">
           <p:sp>
             <p:nvSpPr>
               <p:cNvPr id="49" name="文本框 48">
@@ -6406,6 +6425,7 @@
               </a:bodyPr>
               <a:lstStyle/>
               <a:p>
+                <a:pPr/>
                 <a14:m>
                   <m:oMathPara xmlns:m="http://schemas.openxmlformats.org/officeDocument/2006/math">
                     <m:oMathParaPr>
@@ -6445,7 +6465,7 @@
             </p:txBody>
           </p:sp>
         </mc:Choice>
-        <mc:Fallback>
+        <mc:Fallback xmlns="">
           <p:sp>
             <p:nvSpPr>
               <p:cNvPr id="49" name="文本框 48">
@@ -6490,8 +6510,8 @@
           </p:sp>
         </mc:Fallback>
       </mc:AlternateContent>
-      <mc:AlternateContent xmlns:mc="http://schemas.openxmlformats.org/markup-compatibility/2006">
-        <mc:Choice xmlns:a14="http://schemas.microsoft.com/office/drawing/2010/main" Requires="a14">
+      <mc:AlternateContent xmlns:mc="http://schemas.openxmlformats.org/markup-compatibility/2006" xmlns:a14="http://schemas.microsoft.com/office/drawing/2010/main">
+        <mc:Choice Requires="a14">
           <p:sp>
             <p:nvSpPr>
               <p:cNvPr id="50" name="文本框 49">
@@ -6520,6 +6540,7 @@
               </a:bodyPr>
               <a:lstStyle/>
               <a:p>
+                <a:pPr/>
                 <a14:m>
                   <m:oMathPara xmlns:m="http://schemas.openxmlformats.org/officeDocument/2006/math">
                     <m:oMathParaPr>
@@ -6559,7 +6580,7 @@
             </p:txBody>
           </p:sp>
         </mc:Choice>
-        <mc:Fallback>
+        <mc:Fallback xmlns="">
           <p:sp>
             <p:nvSpPr>
               <p:cNvPr id="50" name="文本框 49">
@@ -6604,8 +6625,8 @@
           </p:sp>
         </mc:Fallback>
       </mc:AlternateContent>
-      <mc:AlternateContent xmlns:mc="http://schemas.openxmlformats.org/markup-compatibility/2006">
-        <mc:Choice xmlns:a14="http://schemas.microsoft.com/office/drawing/2010/main" Requires="a14">
+      <mc:AlternateContent xmlns:mc="http://schemas.openxmlformats.org/markup-compatibility/2006" xmlns:a14="http://schemas.microsoft.com/office/drawing/2010/main">
+        <mc:Choice Requires="a14">
           <p:sp>
             <p:nvSpPr>
               <p:cNvPr id="51" name="文本框 50">
@@ -6634,6 +6655,7 @@
               </a:bodyPr>
               <a:lstStyle/>
               <a:p>
+                <a:pPr/>
                 <a14:m>
                   <m:oMathPara xmlns:m="http://schemas.openxmlformats.org/officeDocument/2006/math">
                     <m:oMathParaPr>
@@ -6673,7 +6695,7 @@
             </p:txBody>
           </p:sp>
         </mc:Choice>
-        <mc:Fallback>
+        <mc:Fallback xmlns="">
           <p:sp>
             <p:nvSpPr>
               <p:cNvPr id="51" name="文本框 50">
@@ -6718,8 +6740,8 @@
           </p:sp>
         </mc:Fallback>
       </mc:AlternateContent>
-      <mc:AlternateContent xmlns:mc="http://schemas.openxmlformats.org/markup-compatibility/2006">
-        <mc:Choice xmlns:a14="http://schemas.microsoft.com/office/drawing/2010/main" Requires="a14">
+      <mc:AlternateContent xmlns:mc="http://schemas.openxmlformats.org/markup-compatibility/2006" xmlns:a14="http://schemas.microsoft.com/office/drawing/2010/main">
+        <mc:Choice Requires="a14">
           <p:sp>
             <p:nvSpPr>
               <p:cNvPr id="52" name="文本框 51">
@@ -6748,6 +6770,7 @@
               </a:bodyPr>
               <a:lstStyle/>
               <a:p>
+                <a:pPr/>
                 <a14:m>
                   <m:oMathPara xmlns:m="http://schemas.openxmlformats.org/officeDocument/2006/math">
                     <m:oMathParaPr>
@@ -6787,7 +6810,7 @@
             </p:txBody>
           </p:sp>
         </mc:Choice>
-        <mc:Fallback>
+        <mc:Fallback xmlns="">
           <p:sp>
             <p:nvSpPr>
               <p:cNvPr id="52" name="文本框 51">
@@ -6832,8 +6855,8 @@
           </p:sp>
         </mc:Fallback>
       </mc:AlternateContent>
-      <mc:AlternateContent xmlns:mc="http://schemas.openxmlformats.org/markup-compatibility/2006">
-        <mc:Choice xmlns:a14="http://schemas.microsoft.com/office/drawing/2010/main" Requires="a14">
+      <mc:AlternateContent xmlns:mc="http://schemas.openxmlformats.org/markup-compatibility/2006" xmlns:a14="http://schemas.microsoft.com/office/drawing/2010/main">
+        <mc:Choice Requires="a14">
           <p:sp>
             <p:nvSpPr>
               <p:cNvPr id="53" name="文本框 52">
@@ -6862,6 +6885,7 @@
               </a:bodyPr>
               <a:lstStyle/>
               <a:p>
+                <a:pPr/>
                 <a14:m>
                   <m:oMathPara xmlns:m="http://schemas.openxmlformats.org/officeDocument/2006/math">
                     <m:oMathParaPr>
@@ -6901,7 +6925,7 @@
             </p:txBody>
           </p:sp>
         </mc:Choice>
-        <mc:Fallback>
+        <mc:Fallback xmlns="">
           <p:sp>
             <p:nvSpPr>
               <p:cNvPr id="53" name="文本框 52">
@@ -6946,8 +6970,8 @@
           </p:sp>
         </mc:Fallback>
       </mc:AlternateContent>
-      <mc:AlternateContent xmlns:mc="http://schemas.openxmlformats.org/markup-compatibility/2006">
-        <mc:Choice xmlns:a14="http://schemas.microsoft.com/office/drawing/2010/main" Requires="a14">
+      <mc:AlternateContent xmlns:mc="http://schemas.openxmlformats.org/markup-compatibility/2006" xmlns:a14="http://schemas.microsoft.com/office/drawing/2010/main">
+        <mc:Choice Requires="a14">
           <p:sp>
             <p:nvSpPr>
               <p:cNvPr id="54" name="文本框 53">
@@ -6976,6 +7000,7 @@
               </a:bodyPr>
               <a:lstStyle/>
               <a:p>
+                <a:pPr/>
                 <a14:m>
                   <m:oMathPara xmlns:m="http://schemas.openxmlformats.org/officeDocument/2006/math">
                     <m:oMathParaPr>
@@ -7015,7 +7040,7 @@
             </p:txBody>
           </p:sp>
         </mc:Choice>
-        <mc:Fallback>
+        <mc:Fallback xmlns="">
           <p:sp>
             <p:nvSpPr>
               <p:cNvPr id="54" name="文本框 53">
@@ -7060,8 +7085,8 @@
           </p:sp>
         </mc:Fallback>
       </mc:AlternateContent>
-      <mc:AlternateContent xmlns:mc="http://schemas.openxmlformats.org/markup-compatibility/2006">
-        <mc:Choice xmlns:a14="http://schemas.microsoft.com/office/drawing/2010/main" Requires="a14">
+      <mc:AlternateContent xmlns:mc="http://schemas.openxmlformats.org/markup-compatibility/2006" xmlns:a14="http://schemas.microsoft.com/office/drawing/2010/main">
+        <mc:Choice Requires="a14">
           <p:sp>
             <p:nvSpPr>
               <p:cNvPr id="55" name="文本框 54">
@@ -7090,6 +7115,7 @@
               </a:bodyPr>
               <a:lstStyle/>
               <a:p>
+                <a:pPr/>
                 <a14:m>
                   <m:oMathPara xmlns:m="http://schemas.openxmlformats.org/officeDocument/2006/math">
                     <m:oMathParaPr>
@@ -7129,7 +7155,7 @@
             </p:txBody>
           </p:sp>
         </mc:Choice>
-        <mc:Fallback>
+        <mc:Fallback xmlns="">
           <p:sp>
             <p:nvSpPr>
               <p:cNvPr id="55" name="文本框 54">
@@ -7174,8 +7200,8 @@
           </p:sp>
         </mc:Fallback>
       </mc:AlternateContent>
-      <mc:AlternateContent xmlns:mc="http://schemas.openxmlformats.org/markup-compatibility/2006">
-        <mc:Choice xmlns:a14="http://schemas.microsoft.com/office/drawing/2010/main" Requires="a14">
+      <mc:AlternateContent xmlns:mc="http://schemas.openxmlformats.org/markup-compatibility/2006" xmlns:a14="http://schemas.microsoft.com/office/drawing/2010/main">
+        <mc:Choice Requires="a14">
           <p:sp>
             <p:nvSpPr>
               <p:cNvPr id="56" name="文本框 55">
@@ -7204,6 +7230,7 @@
               </a:bodyPr>
               <a:lstStyle/>
               <a:p>
+                <a:pPr/>
                 <a14:m>
                   <m:oMathPara xmlns:m="http://schemas.openxmlformats.org/officeDocument/2006/math">
                     <m:oMathParaPr>
@@ -7243,7 +7270,7 @@
             </p:txBody>
           </p:sp>
         </mc:Choice>
-        <mc:Fallback>
+        <mc:Fallback xmlns="">
           <p:sp>
             <p:nvSpPr>
               <p:cNvPr id="56" name="文本框 55">
@@ -7288,8 +7315,8 @@
           </p:sp>
         </mc:Fallback>
       </mc:AlternateContent>
-      <mc:AlternateContent xmlns:mc="http://schemas.openxmlformats.org/markup-compatibility/2006">
-        <mc:Choice xmlns:a14="http://schemas.microsoft.com/office/drawing/2010/main" Requires="a14">
+      <mc:AlternateContent xmlns:mc="http://schemas.openxmlformats.org/markup-compatibility/2006" xmlns:a14="http://schemas.microsoft.com/office/drawing/2010/main">
+        <mc:Choice Requires="a14">
           <p:sp>
             <p:nvSpPr>
               <p:cNvPr id="57" name="文本框 56">
@@ -7318,6 +7345,7 @@
               </a:bodyPr>
               <a:lstStyle/>
               <a:p>
+                <a:pPr/>
                 <a14:m>
                   <m:oMathPara xmlns:m="http://schemas.openxmlformats.org/officeDocument/2006/math">
                     <m:oMathParaPr>
@@ -7357,7 +7385,7 @@
             </p:txBody>
           </p:sp>
         </mc:Choice>
-        <mc:Fallback>
+        <mc:Fallback xmlns="">
           <p:sp>
             <p:nvSpPr>
               <p:cNvPr id="57" name="文本框 56">
@@ -7402,8 +7430,8 @@
           </p:sp>
         </mc:Fallback>
       </mc:AlternateContent>
-      <mc:AlternateContent xmlns:mc="http://schemas.openxmlformats.org/markup-compatibility/2006">
-        <mc:Choice xmlns:a14="http://schemas.microsoft.com/office/drawing/2010/main" Requires="a14">
+      <mc:AlternateContent xmlns:mc="http://schemas.openxmlformats.org/markup-compatibility/2006" xmlns:a14="http://schemas.microsoft.com/office/drawing/2010/main">
+        <mc:Choice Requires="a14">
           <p:sp>
             <p:nvSpPr>
               <p:cNvPr id="58" name="文本框 57">
@@ -7432,6 +7460,7 @@
               </a:bodyPr>
               <a:lstStyle/>
               <a:p>
+                <a:pPr/>
                 <a14:m>
                   <m:oMathPara xmlns:m="http://schemas.openxmlformats.org/officeDocument/2006/math">
                     <m:oMathParaPr>
@@ -7471,7 +7500,7 @@
             </p:txBody>
           </p:sp>
         </mc:Choice>
-        <mc:Fallback>
+        <mc:Fallback xmlns="">
           <p:sp>
             <p:nvSpPr>
               <p:cNvPr id="58" name="文本框 57">
@@ -7516,8 +7545,8 @@
           </p:sp>
         </mc:Fallback>
       </mc:AlternateContent>
-      <mc:AlternateContent xmlns:mc="http://schemas.openxmlformats.org/markup-compatibility/2006">
-        <mc:Choice xmlns:a14="http://schemas.microsoft.com/office/drawing/2010/main" Requires="a14">
+      <mc:AlternateContent xmlns:mc="http://schemas.openxmlformats.org/markup-compatibility/2006" xmlns:a14="http://schemas.microsoft.com/office/drawing/2010/main">
+        <mc:Choice Requires="a14">
           <p:sp>
             <p:nvSpPr>
               <p:cNvPr id="59" name="文本框 58">
@@ -7546,6 +7575,7 @@
               </a:bodyPr>
               <a:lstStyle/>
               <a:p>
+                <a:pPr/>
                 <a14:m>
                   <m:oMathPara xmlns:m="http://schemas.openxmlformats.org/officeDocument/2006/math">
                     <m:oMathParaPr>
@@ -7585,7 +7615,7 @@
             </p:txBody>
           </p:sp>
         </mc:Choice>
-        <mc:Fallback>
+        <mc:Fallback xmlns="">
           <p:sp>
             <p:nvSpPr>
               <p:cNvPr id="59" name="文本框 58">
@@ -7630,8 +7660,8 @@
           </p:sp>
         </mc:Fallback>
       </mc:AlternateContent>
-      <mc:AlternateContent xmlns:mc="http://schemas.openxmlformats.org/markup-compatibility/2006">
-        <mc:Choice xmlns:a14="http://schemas.microsoft.com/office/drawing/2010/main" Requires="a14">
+      <mc:AlternateContent xmlns:mc="http://schemas.openxmlformats.org/markup-compatibility/2006" xmlns:a14="http://schemas.microsoft.com/office/drawing/2010/main">
+        <mc:Choice Requires="a14">
           <p:sp>
             <p:nvSpPr>
               <p:cNvPr id="60" name="文本框 59">
@@ -7660,6 +7690,7 @@
               </a:bodyPr>
               <a:lstStyle/>
               <a:p>
+                <a:pPr/>
                 <a14:m>
                   <m:oMathPara xmlns:m="http://schemas.openxmlformats.org/officeDocument/2006/math">
                     <m:oMathParaPr>
@@ -7699,7 +7730,7 @@
             </p:txBody>
           </p:sp>
         </mc:Choice>
-        <mc:Fallback>
+        <mc:Fallback xmlns="">
           <p:sp>
             <p:nvSpPr>
               <p:cNvPr id="60" name="文本框 59">
@@ -7778,6 +7809,1129 @@
     <p:extLst>
       <p:ext uri="{BB962C8B-B14F-4D97-AF65-F5344CB8AC3E}">
         <p14:creationId xmlns:p14="http://schemas.microsoft.com/office/powerpoint/2010/main" val="3168262398"/>
+      </p:ext>
+    </p:extLst>
+  </p:cSld>
+  <p:clrMapOvr>
+    <a:masterClrMapping/>
+  </p:clrMapOvr>
+</p:sld>
+</file>
+
+<file path=ppt/slides/slide2.xml><?xml version="1.0" encoding="utf-8"?>
+<p:sld xmlns:a="http://schemas.openxmlformats.org/drawingml/2006/main" xmlns:r="http://schemas.openxmlformats.org/officeDocument/2006/relationships" xmlns:p="http://schemas.openxmlformats.org/presentationml/2006/main">
+  <p:cSld>
+    <p:spTree>
+      <p:nvGrpSpPr>
+        <p:cNvPr id="1" name=""/>
+        <p:cNvGrpSpPr/>
+        <p:nvPr/>
+      </p:nvGrpSpPr>
+      <p:grpSpPr>
+        <a:xfrm>
+          <a:off x="0" y="0"/>
+          <a:ext cx="0" cy="0"/>
+          <a:chOff x="0" y="0"/>
+          <a:chExt cx="0" cy="0"/>
+        </a:xfrm>
+      </p:grpSpPr>
+      <p:sp>
+        <p:nvSpPr>
+          <p:cNvPr id="4" name="矩形: 圆角 3">
+            <a:extLst>
+              <a:ext uri="{FF2B5EF4-FFF2-40B4-BE49-F238E27FC236}">
+                <a16:creationId xmlns:a16="http://schemas.microsoft.com/office/drawing/2014/main" id="{55B76998-8983-4B94-A6F5-EF3F9B0F637B}"/>
+              </a:ext>
+            </a:extLst>
+          </p:cNvPr>
+          <p:cNvSpPr/>
+          <p:nvPr/>
+        </p:nvSpPr>
+        <p:spPr>
+          <a:xfrm>
+            <a:off x="3609503" y="1475386"/>
+            <a:ext cx="2636323" cy="1374123"/>
+          </a:xfrm>
+          <a:prstGeom prst="roundRect">
+            <a:avLst>
+              <a:gd name="adj" fmla="val 3008"/>
+            </a:avLst>
+          </a:prstGeom>
+          <a:noFill/>
+          <a:ln w="28575">
+            <a:solidFill>
+              <a:schemeClr val="tx1"/>
+            </a:solidFill>
+          </a:ln>
+        </p:spPr>
+        <p:style>
+          <a:lnRef idx="2">
+            <a:schemeClr val="accent1">
+              <a:shade val="50000"/>
+            </a:schemeClr>
+          </a:lnRef>
+          <a:fillRef idx="1">
+            <a:schemeClr val="accent1"/>
+          </a:fillRef>
+          <a:effectRef idx="0">
+            <a:schemeClr val="accent1"/>
+          </a:effectRef>
+          <a:fontRef idx="minor">
+            <a:schemeClr val="lt1"/>
+          </a:fontRef>
+        </p:style>
+        <p:txBody>
+          <a:bodyPr rtlCol="0" anchor="ctr"/>
+          <a:lstStyle/>
+          <a:p>
+            <a:pPr algn="ctr"/>
+            <a:endParaRPr lang="zh-CN" altLang="en-US">
+              <a:solidFill>
+                <a:schemeClr val="tx1"/>
+              </a:solidFill>
+            </a:endParaRPr>
+          </a:p>
+        </p:txBody>
+      </p:sp>
+      <p:sp>
+        <p:nvSpPr>
+          <p:cNvPr id="7" name="矩形 6">
+            <a:extLst>
+              <a:ext uri="{FF2B5EF4-FFF2-40B4-BE49-F238E27FC236}">
+                <a16:creationId xmlns:a16="http://schemas.microsoft.com/office/drawing/2014/main" id="{D9A5F846-EC68-4383-B6FA-EE7EB7C72E19}"/>
+              </a:ext>
+            </a:extLst>
+          </p:cNvPr>
+          <p:cNvSpPr/>
+          <p:nvPr/>
+        </p:nvSpPr>
+        <p:spPr>
+          <a:xfrm>
+            <a:off x="3925145" y="1981249"/>
+            <a:ext cx="1276073" cy="362395"/>
+          </a:xfrm>
+          <a:prstGeom prst="rect">
+            <a:avLst/>
+          </a:prstGeom>
+          <a:noFill/>
+          <a:ln w="28575">
+            <a:solidFill>
+              <a:schemeClr val="tx1"/>
+            </a:solidFill>
+          </a:ln>
+        </p:spPr>
+        <p:style>
+          <a:lnRef idx="2">
+            <a:schemeClr val="accent1">
+              <a:shade val="50000"/>
+            </a:schemeClr>
+          </a:lnRef>
+          <a:fillRef idx="1">
+            <a:schemeClr val="accent1"/>
+          </a:fillRef>
+          <a:effectRef idx="0">
+            <a:schemeClr val="accent1"/>
+          </a:effectRef>
+          <a:fontRef idx="minor">
+            <a:schemeClr val="lt1"/>
+          </a:fontRef>
+        </p:style>
+        <p:txBody>
+          <a:bodyPr rtlCol="0" anchor="ctr"/>
+          <a:lstStyle/>
+          <a:p>
+            <a:pPr algn="ctr"/>
+            <a:r>
+              <a:rPr lang="en-US" altLang="zh-CN" b="1" dirty="0">
+                <a:solidFill>
+                  <a:schemeClr val="tx1"/>
+                </a:solidFill>
+              </a:rPr>
+              <a:t>tanh </a:t>
+            </a:r>
+            <a:r>
+              <a:rPr lang="en-US" altLang="zh-CN" b="1" dirty="0" err="1">
+                <a:solidFill>
+                  <a:schemeClr val="tx1"/>
+                </a:solidFill>
+              </a:rPr>
+              <a:t>ReLU</a:t>
+            </a:r>
+            <a:endParaRPr lang="zh-CN" altLang="en-US" b="1" dirty="0">
+              <a:solidFill>
+                <a:schemeClr val="tx1"/>
+              </a:solidFill>
+            </a:endParaRPr>
+          </a:p>
+        </p:txBody>
+      </p:sp>
+      <p:sp>
+        <p:nvSpPr>
+          <p:cNvPr id="9" name="任意多边形: 形状 8">
+            <a:extLst>
+              <a:ext uri="{FF2B5EF4-FFF2-40B4-BE49-F238E27FC236}">
+                <a16:creationId xmlns:a16="http://schemas.microsoft.com/office/drawing/2014/main" id="{59D50BEC-E2B9-45F6-9BD5-20A4BEBDCA3C}"/>
+              </a:ext>
+            </a:extLst>
+          </p:cNvPr>
+          <p:cNvSpPr/>
+          <p:nvPr/>
+        </p:nvSpPr>
+        <p:spPr>
+          <a:xfrm>
+            <a:off x="3344392" y="2342555"/>
+            <a:ext cx="1276073" cy="340178"/>
+          </a:xfrm>
+          <a:custGeom>
+            <a:avLst/>
+            <a:gdLst>
+              <a:gd name="connsiteX0" fmla="*/ 0 w 1711779"/>
+              <a:gd name="connsiteY0" fmla="*/ 340178 h 340178"/>
+              <a:gd name="connsiteX1" fmla="*/ 1352550 w 1711779"/>
+              <a:gd name="connsiteY1" fmla="*/ 337457 h 340178"/>
+              <a:gd name="connsiteX2" fmla="*/ 1619250 w 1711779"/>
+              <a:gd name="connsiteY2" fmla="*/ 296635 h 340178"/>
+              <a:gd name="connsiteX3" fmla="*/ 1711779 w 1711779"/>
+              <a:gd name="connsiteY3" fmla="*/ 0 h 340178"/>
+            </a:gdLst>
+            <a:ahLst/>
+            <a:cxnLst>
+              <a:cxn ang="0">
+                <a:pos x="connsiteX0" y="connsiteY0"/>
+              </a:cxn>
+              <a:cxn ang="0">
+                <a:pos x="connsiteX1" y="connsiteY1"/>
+              </a:cxn>
+              <a:cxn ang="0">
+                <a:pos x="connsiteX2" y="connsiteY2"/>
+              </a:cxn>
+              <a:cxn ang="0">
+                <a:pos x="connsiteX3" y="connsiteY3"/>
+              </a:cxn>
+            </a:cxnLst>
+            <a:rect l="l" t="t" r="r" b="b"/>
+            <a:pathLst>
+              <a:path w="1711779" h="340178">
+                <a:moveTo>
+                  <a:pt x="0" y="340178"/>
+                </a:moveTo>
+                <a:lnTo>
+                  <a:pt x="1352550" y="337457"/>
+                </a:lnTo>
+                <a:cubicBezTo>
+                  <a:pt x="1622425" y="330200"/>
+                  <a:pt x="1559379" y="352878"/>
+                  <a:pt x="1619250" y="296635"/>
+                </a:cubicBezTo>
+                <a:cubicBezTo>
+                  <a:pt x="1679121" y="240392"/>
+                  <a:pt x="1695450" y="120196"/>
+                  <a:pt x="1711779" y="0"/>
+                </a:cubicBezTo>
+              </a:path>
+            </a:pathLst>
+          </a:custGeom>
+          <a:noFill/>
+          <a:ln w="28575">
+            <a:solidFill>
+              <a:schemeClr val="tx1"/>
+            </a:solidFill>
+            <a:headEnd type="none" w="med" len="med"/>
+            <a:tailEnd type="arrow" w="med" len="med"/>
+          </a:ln>
+        </p:spPr>
+        <p:style>
+          <a:lnRef idx="2">
+            <a:schemeClr val="accent1">
+              <a:shade val="50000"/>
+            </a:schemeClr>
+          </a:lnRef>
+          <a:fillRef idx="1">
+            <a:schemeClr val="accent1"/>
+          </a:fillRef>
+          <a:effectRef idx="0">
+            <a:schemeClr val="accent1"/>
+          </a:effectRef>
+          <a:fontRef idx="minor">
+            <a:schemeClr val="lt1"/>
+          </a:fontRef>
+        </p:style>
+        <p:txBody>
+          <a:bodyPr rtlCol="0" anchor="ctr"/>
+          <a:lstStyle/>
+          <a:p>
+            <a:pPr algn="ctr"/>
+            <a:endParaRPr lang="zh-CN" altLang="en-US" dirty="0">
+              <a:solidFill>
+                <a:schemeClr val="tx1"/>
+              </a:solidFill>
+            </a:endParaRPr>
+          </a:p>
+        </p:txBody>
+      </p:sp>
+      <p:cxnSp>
+        <p:nvCxnSpPr>
+          <p:cNvPr id="14" name="直接连接符 13">
+            <a:extLst>
+              <a:ext uri="{FF2B5EF4-FFF2-40B4-BE49-F238E27FC236}">
+                <a16:creationId xmlns:a16="http://schemas.microsoft.com/office/drawing/2014/main" id="{CC307013-0AF0-4ECE-B9CC-0D2422197382}"/>
+              </a:ext>
+            </a:extLst>
+          </p:cNvPr>
+          <p:cNvCxnSpPr>
+            <a:cxnSpLocks/>
+          </p:cNvCxnSpPr>
+          <p:nvPr/>
+        </p:nvCxnSpPr>
+        <p:spPr>
+          <a:xfrm flipV="1">
+            <a:off x="4620465" y="2343644"/>
+            <a:ext cx="0" cy="779566"/>
+          </a:xfrm>
+          <a:prstGeom prst="line">
+            <a:avLst/>
+          </a:prstGeom>
+          <a:ln w="28575">
+            <a:solidFill>
+              <a:schemeClr val="tx1"/>
+            </a:solidFill>
+            <a:headEnd type="none" w="med" len="med"/>
+            <a:tailEnd type="arrow" w="med" len="med"/>
+          </a:ln>
+        </p:spPr>
+        <p:style>
+          <a:lnRef idx="1">
+            <a:schemeClr val="accent1"/>
+          </a:lnRef>
+          <a:fillRef idx="0">
+            <a:schemeClr val="accent1"/>
+          </a:fillRef>
+          <a:effectRef idx="0">
+            <a:schemeClr val="accent1"/>
+          </a:effectRef>
+          <a:fontRef idx="minor">
+            <a:schemeClr val="tx1"/>
+          </a:fontRef>
+        </p:style>
+      </p:cxnSp>
+      <p:cxnSp>
+        <p:nvCxnSpPr>
+          <p:cNvPr id="16" name="直接箭头连接符 15">
+            <a:extLst>
+              <a:ext uri="{FF2B5EF4-FFF2-40B4-BE49-F238E27FC236}">
+                <a16:creationId xmlns:a16="http://schemas.microsoft.com/office/drawing/2014/main" id="{0B9567F1-1A68-4D73-A630-51A40E1057BD}"/>
+              </a:ext>
+            </a:extLst>
+          </p:cNvPr>
+          <p:cNvCxnSpPr>
+            <a:cxnSpLocks/>
+          </p:cNvCxnSpPr>
+          <p:nvPr/>
+        </p:nvCxnSpPr>
+        <p:spPr>
+          <a:xfrm>
+            <a:off x="5320937" y="2181501"/>
+            <a:ext cx="1276073" cy="0"/>
+          </a:xfrm>
+          <a:prstGeom prst="straightConnector1">
+            <a:avLst/>
+          </a:prstGeom>
+          <a:ln w="28575">
+            <a:solidFill>
+              <a:schemeClr val="tx1"/>
+            </a:solidFill>
+            <a:headEnd type="none" w="med" len="med"/>
+            <a:tailEnd type="arrow" w="med" len="med"/>
+          </a:ln>
+        </p:spPr>
+        <p:style>
+          <a:lnRef idx="1">
+            <a:schemeClr val="accent1"/>
+          </a:lnRef>
+          <a:fillRef idx="0">
+            <a:schemeClr val="accent1"/>
+          </a:fillRef>
+          <a:effectRef idx="0">
+            <a:schemeClr val="accent1"/>
+          </a:effectRef>
+          <a:fontRef idx="minor">
+            <a:schemeClr val="tx1"/>
+          </a:fontRef>
+        </p:style>
+      </p:cxnSp>
+      <p:sp>
+        <p:nvSpPr>
+          <p:cNvPr id="17" name="任意多边形: 形状 16">
+            <a:extLst>
+              <a:ext uri="{FF2B5EF4-FFF2-40B4-BE49-F238E27FC236}">
+                <a16:creationId xmlns:a16="http://schemas.microsoft.com/office/drawing/2014/main" id="{F48F5FB4-2BC8-4387-B45F-69434ED3CCE3}"/>
+              </a:ext>
+            </a:extLst>
+          </p:cNvPr>
+          <p:cNvSpPr/>
+          <p:nvPr/>
+        </p:nvSpPr>
+        <p:spPr>
+          <a:xfrm>
+            <a:off x="5198467" y="375558"/>
+            <a:ext cx="498022" cy="1805944"/>
+          </a:xfrm>
+          <a:custGeom>
+            <a:avLst/>
+            <a:gdLst>
+              <a:gd name="connsiteX0" fmla="*/ 0 w 498022"/>
+              <a:gd name="connsiteY0" fmla="*/ 1260022 h 1271733"/>
+              <a:gd name="connsiteX1" fmla="*/ 310243 w 498022"/>
+              <a:gd name="connsiteY1" fmla="*/ 1265465 h 1271733"/>
+              <a:gd name="connsiteX2" fmla="*/ 435429 w 498022"/>
+              <a:gd name="connsiteY2" fmla="*/ 1183822 h 1271733"/>
+              <a:gd name="connsiteX3" fmla="*/ 476250 w 498022"/>
+              <a:gd name="connsiteY3" fmla="*/ 947057 h 1271733"/>
+              <a:gd name="connsiteX4" fmla="*/ 498022 w 498022"/>
+              <a:gd name="connsiteY4" fmla="*/ 0 h 1271733"/>
+            </a:gdLst>
+            <a:ahLst/>
+            <a:cxnLst>
+              <a:cxn ang="0">
+                <a:pos x="connsiteX0" y="connsiteY0"/>
+              </a:cxn>
+              <a:cxn ang="0">
+                <a:pos x="connsiteX1" y="connsiteY1"/>
+              </a:cxn>
+              <a:cxn ang="0">
+                <a:pos x="connsiteX2" y="connsiteY2"/>
+              </a:cxn>
+              <a:cxn ang="0">
+                <a:pos x="connsiteX3" y="connsiteY3"/>
+              </a:cxn>
+              <a:cxn ang="0">
+                <a:pos x="connsiteX4" y="connsiteY4"/>
+              </a:cxn>
+            </a:cxnLst>
+            <a:rect l="l" t="t" r="r" b="b"/>
+            <a:pathLst>
+              <a:path w="498022" h="1271733">
+                <a:moveTo>
+                  <a:pt x="0" y="1260022"/>
+                </a:moveTo>
+                <a:cubicBezTo>
+                  <a:pt x="118836" y="1269093"/>
+                  <a:pt x="237672" y="1278165"/>
+                  <a:pt x="310243" y="1265465"/>
+                </a:cubicBezTo>
+                <a:cubicBezTo>
+                  <a:pt x="382815" y="1252765"/>
+                  <a:pt x="407761" y="1236890"/>
+                  <a:pt x="435429" y="1183822"/>
+                </a:cubicBezTo>
+                <a:cubicBezTo>
+                  <a:pt x="463097" y="1130754"/>
+                  <a:pt x="465818" y="1144360"/>
+                  <a:pt x="476250" y="947057"/>
+                </a:cubicBezTo>
+                <a:cubicBezTo>
+                  <a:pt x="486682" y="749754"/>
+                  <a:pt x="492352" y="374877"/>
+                  <a:pt x="498022" y="0"/>
+                </a:cubicBezTo>
+              </a:path>
+            </a:pathLst>
+          </a:custGeom>
+          <a:noFill/>
+          <a:ln w="28575">
+            <a:solidFill>
+              <a:schemeClr val="tx1"/>
+            </a:solidFill>
+            <a:headEnd type="none" w="med" len="med"/>
+            <a:tailEnd type="arrow" w="med" len="med"/>
+          </a:ln>
+        </p:spPr>
+        <p:style>
+          <a:lnRef idx="2">
+            <a:schemeClr val="accent1">
+              <a:shade val="50000"/>
+            </a:schemeClr>
+          </a:lnRef>
+          <a:fillRef idx="1">
+            <a:schemeClr val="accent1"/>
+          </a:fillRef>
+          <a:effectRef idx="0">
+            <a:schemeClr val="accent1"/>
+          </a:effectRef>
+          <a:fontRef idx="minor">
+            <a:schemeClr val="lt1"/>
+          </a:fontRef>
+        </p:style>
+        <p:txBody>
+          <a:bodyPr rtlCol="0" anchor="ctr"/>
+          <a:lstStyle/>
+          <a:p>
+            <a:pPr algn="ctr"/>
+            <a:endParaRPr lang="zh-CN" altLang="en-US">
+              <a:solidFill>
+                <a:schemeClr val="tx1"/>
+              </a:solidFill>
+            </a:endParaRPr>
+          </a:p>
+        </p:txBody>
+      </p:sp>
+      <p:sp>
+        <p:nvSpPr>
+          <p:cNvPr id="6" name="矩形 5">
+            <a:extLst>
+              <a:ext uri="{FF2B5EF4-FFF2-40B4-BE49-F238E27FC236}">
+                <a16:creationId xmlns:a16="http://schemas.microsoft.com/office/drawing/2014/main" id="{7EF21C5E-95DA-4BBD-8446-0C1F1D4DF059}"/>
+              </a:ext>
+            </a:extLst>
+          </p:cNvPr>
+          <p:cNvSpPr/>
+          <p:nvPr/>
+        </p:nvSpPr>
+        <p:spPr>
+          <a:xfrm>
+            <a:off x="5096294" y="807379"/>
+            <a:ext cx="1149532" cy="362395"/>
+          </a:xfrm>
+          <a:prstGeom prst="rect">
+            <a:avLst/>
+          </a:prstGeom>
+          <a:solidFill>
+            <a:schemeClr val="bg1"/>
+          </a:solidFill>
+          <a:ln w="28575">
+            <a:solidFill>
+              <a:schemeClr val="tx1"/>
+            </a:solidFill>
+          </a:ln>
+        </p:spPr>
+        <p:style>
+          <a:lnRef idx="2">
+            <a:schemeClr val="accent1">
+              <a:shade val="50000"/>
+            </a:schemeClr>
+          </a:lnRef>
+          <a:fillRef idx="1">
+            <a:schemeClr val="accent1"/>
+          </a:fillRef>
+          <a:effectRef idx="0">
+            <a:schemeClr val="accent1"/>
+          </a:effectRef>
+          <a:fontRef idx="minor">
+            <a:schemeClr val="lt1"/>
+          </a:fontRef>
+        </p:style>
+        <p:txBody>
+          <a:bodyPr rtlCol="0" anchor="ctr"/>
+          <a:lstStyle/>
+          <a:p>
+            <a:pPr algn="ctr"/>
+            <a:r>
+              <a:rPr lang="en-US" altLang="zh-CN" b="1" dirty="0" err="1">
+                <a:solidFill>
+                  <a:schemeClr val="tx1"/>
+                </a:solidFill>
+              </a:rPr>
+              <a:t>softmax</a:t>
+            </a:r>
+            <a:endParaRPr lang="zh-CN" altLang="en-US" b="1" dirty="0">
+              <a:solidFill>
+                <a:schemeClr val="tx1"/>
+              </a:solidFill>
+            </a:endParaRPr>
+          </a:p>
+        </p:txBody>
+      </p:sp>
+      <mc:AlternateContent xmlns:mc="http://schemas.openxmlformats.org/markup-compatibility/2006">
+        <mc:Choice xmlns:a14="http://schemas.microsoft.com/office/drawing/2010/main" Requires="a14">
+          <p:sp>
+            <p:nvSpPr>
+              <p:cNvPr id="26" name="文本框 25">
+                <a:extLst>
+                  <a:ext uri="{FF2B5EF4-FFF2-40B4-BE49-F238E27FC236}">
+                    <a16:creationId xmlns:a16="http://schemas.microsoft.com/office/drawing/2014/main" id="{BBD4BCDF-EB62-44B1-B969-3180153EA9DB}"/>
+                  </a:ext>
+                </a:extLst>
+              </p:cNvPr>
+              <p:cNvSpPr txBox="1"/>
+              <p:nvPr/>
+            </p:nvSpPr>
+            <p:spPr>
+              <a:xfrm>
+                <a:off x="2095438" y="2489834"/>
+                <a:ext cx="1346364" cy="461665"/>
+              </a:xfrm>
+              <a:prstGeom prst="rect">
+                <a:avLst/>
+              </a:prstGeom>
+              <a:noFill/>
+            </p:spPr>
+            <p:txBody>
+              <a:bodyPr wrap="square">
+                <a:spAutoFit/>
+              </a:bodyPr>
+              <a:lstStyle/>
+              <a:p>
+                <a:pPr/>
+                <a14:m>
+                  <m:oMathPara xmlns:m="http://schemas.openxmlformats.org/officeDocument/2006/math">
+                    <m:oMathParaPr>
+                      <m:jc m:val="centerGroup"/>
+                    </m:oMathParaPr>
+                    <m:oMath xmlns:m="http://schemas.openxmlformats.org/officeDocument/2006/math">
+                      <m:sSup>
+                        <m:sSupPr>
+                          <m:ctrlPr>
+                            <a:rPr lang="en-US" altLang="zh-CN" sz="2400" i="1" smtClean="0">
+                              <a:solidFill>
+                                <a:schemeClr val="tx1"/>
+                              </a:solidFill>
+                              <a:latin typeface="Cambria Math" panose="02040503050406030204" pitchFamily="18" charset="0"/>
+                            </a:rPr>
+                          </m:ctrlPr>
+                        </m:sSupPr>
+                        <m:e>
+                          <m:r>
+                            <a:rPr lang="en-US" altLang="zh-CN" sz="2400" b="0" i="1" smtClean="0">
+                              <a:solidFill>
+                                <a:schemeClr val="tx1"/>
+                              </a:solidFill>
+                              <a:latin typeface="Cambria Math" panose="02040503050406030204" pitchFamily="18" charset="0"/>
+                            </a:rPr>
+                            <m:t>𝑎</m:t>
+                          </m:r>
+                        </m:e>
+                        <m:sup>
+                          <m:r>
+                            <a:rPr lang="en-US" altLang="zh-CN" sz="2400" b="0" i="1" smtClean="0">
+                              <a:solidFill>
+                                <a:schemeClr val="tx1"/>
+                              </a:solidFill>
+                              <a:latin typeface="Cambria Math" panose="02040503050406030204" pitchFamily="18" charset="0"/>
+                            </a:rPr>
+                            <m:t>&lt;</m:t>
+                          </m:r>
+                          <m:r>
+                            <a:rPr lang="en-US" altLang="zh-CN" sz="2400" b="0" i="1" smtClean="0">
+                              <a:solidFill>
+                                <a:schemeClr val="tx1"/>
+                              </a:solidFill>
+                              <a:latin typeface="Cambria Math" panose="02040503050406030204" pitchFamily="18" charset="0"/>
+                            </a:rPr>
+                            <m:t>𝑡</m:t>
+                          </m:r>
+                          <m:r>
+                            <a:rPr lang="en-US" altLang="zh-CN" sz="2400" b="0" i="1" smtClean="0">
+                              <a:solidFill>
+                                <a:schemeClr val="tx1"/>
+                              </a:solidFill>
+                              <a:latin typeface="Cambria Math" panose="02040503050406030204" pitchFamily="18" charset="0"/>
+                            </a:rPr>
+                            <m:t>−1&gt;</m:t>
+                          </m:r>
+                        </m:sup>
+                      </m:sSup>
+                    </m:oMath>
+                  </m:oMathPara>
+                </a14:m>
+                <a:endParaRPr lang="zh-CN" altLang="en-US" sz="2400" dirty="0"/>
+              </a:p>
+            </p:txBody>
+          </p:sp>
+        </mc:Choice>
+        <mc:Fallback>
+          <p:sp>
+            <p:nvSpPr>
+              <p:cNvPr id="26" name="文本框 25">
+                <a:extLst>
+                  <a:ext uri="{FF2B5EF4-FFF2-40B4-BE49-F238E27FC236}">
+                    <a16:creationId xmlns:a16="http://schemas.microsoft.com/office/drawing/2014/main" id="{BBD4BCDF-EB62-44B1-B969-3180153EA9DB}"/>
+                  </a:ext>
+                </a:extLst>
+              </p:cNvPr>
+              <p:cNvSpPr txBox="1">
+                <a:spLocks noRot="1" noChangeAspect="1" noMove="1" noResize="1" noEditPoints="1" noAdjustHandles="1" noChangeArrowheads="1" noChangeShapeType="1" noTextEdit="1"/>
+              </p:cNvSpPr>
+              <p:nvPr/>
+            </p:nvSpPr>
+            <p:spPr>
+              <a:xfrm>
+                <a:off x="2095438" y="2489834"/>
+                <a:ext cx="1346364" cy="461665"/>
+              </a:xfrm>
+              <a:prstGeom prst="rect">
+                <a:avLst/>
+              </a:prstGeom>
+              <a:blipFill>
+                <a:blip r:embed="rId2"/>
+                <a:stretch>
+                  <a:fillRect/>
+                </a:stretch>
+              </a:blipFill>
+            </p:spPr>
+            <p:txBody>
+              <a:bodyPr/>
+              <a:lstStyle/>
+              <a:p>
+                <a:r>
+                  <a:rPr lang="zh-CN" altLang="en-US">
+                    <a:noFill/>
+                  </a:rPr>
+                  <a:t> </a:t>
+                </a:r>
+              </a:p>
+            </p:txBody>
+          </p:sp>
+        </mc:Fallback>
+      </mc:AlternateContent>
+      <mc:AlternateContent xmlns:mc="http://schemas.openxmlformats.org/markup-compatibility/2006">
+        <mc:Choice xmlns:a14="http://schemas.microsoft.com/office/drawing/2010/main" Requires="a14">
+          <p:sp>
+            <p:nvSpPr>
+              <p:cNvPr id="27" name="文本框 26">
+                <a:extLst>
+                  <a:ext uri="{FF2B5EF4-FFF2-40B4-BE49-F238E27FC236}">
+                    <a16:creationId xmlns:a16="http://schemas.microsoft.com/office/drawing/2014/main" id="{80FA608F-8813-4BF0-919D-66CBAD783F80}"/>
+                  </a:ext>
+                </a:extLst>
+              </p:cNvPr>
+              <p:cNvSpPr txBox="1"/>
+              <p:nvPr/>
+            </p:nvSpPr>
+            <p:spPr>
+              <a:xfrm>
+                <a:off x="6561468" y="1918853"/>
+                <a:ext cx="1346364" cy="461665"/>
+              </a:xfrm>
+              <a:prstGeom prst="rect">
+                <a:avLst/>
+              </a:prstGeom>
+              <a:noFill/>
+            </p:spPr>
+            <p:txBody>
+              <a:bodyPr wrap="square">
+                <a:spAutoFit/>
+              </a:bodyPr>
+              <a:lstStyle/>
+              <a:p>
+                <a:pPr/>
+                <a14:m>
+                  <m:oMathPara xmlns:m="http://schemas.openxmlformats.org/officeDocument/2006/math">
+                    <m:oMathParaPr>
+                      <m:jc m:val="centerGroup"/>
+                    </m:oMathParaPr>
+                    <m:oMath xmlns:m="http://schemas.openxmlformats.org/officeDocument/2006/math">
+                      <m:sSup>
+                        <m:sSupPr>
+                          <m:ctrlPr>
+                            <a:rPr lang="en-US" altLang="zh-CN" sz="2400" i="1" smtClean="0">
+                              <a:solidFill>
+                                <a:schemeClr val="tx1"/>
+                              </a:solidFill>
+                              <a:latin typeface="Cambria Math" panose="02040503050406030204" pitchFamily="18" charset="0"/>
+                            </a:rPr>
+                          </m:ctrlPr>
+                        </m:sSupPr>
+                        <m:e>
+                          <m:r>
+                            <a:rPr lang="en-US" altLang="zh-CN" sz="2400" b="0" i="1" smtClean="0">
+                              <a:solidFill>
+                                <a:schemeClr val="tx1"/>
+                              </a:solidFill>
+                              <a:latin typeface="Cambria Math" panose="02040503050406030204" pitchFamily="18" charset="0"/>
+                            </a:rPr>
+                            <m:t>𝑎</m:t>
+                          </m:r>
+                        </m:e>
+                        <m:sup>
+                          <m:r>
+                            <a:rPr lang="en-US" altLang="zh-CN" sz="2400" i="1" smtClean="0">
+                              <a:solidFill>
+                                <a:schemeClr val="tx1"/>
+                              </a:solidFill>
+                              <a:latin typeface="Cambria Math" panose="02040503050406030204" pitchFamily="18" charset="0"/>
+                            </a:rPr>
+                            <m:t>&lt;</m:t>
+                          </m:r>
+                          <m:r>
+                            <a:rPr lang="en-US" altLang="zh-CN" sz="2400" b="0" i="1" smtClean="0">
+                              <a:solidFill>
+                                <a:schemeClr val="tx1"/>
+                              </a:solidFill>
+                              <a:latin typeface="Cambria Math" panose="02040503050406030204" pitchFamily="18" charset="0"/>
+                            </a:rPr>
+                            <m:t>𝑡</m:t>
+                          </m:r>
+                          <m:r>
+                            <a:rPr lang="en-US" altLang="zh-CN" sz="2400" b="0" i="1" smtClean="0">
+                              <a:solidFill>
+                                <a:schemeClr val="tx1"/>
+                              </a:solidFill>
+                              <a:latin typeface="Cambria Math" panose="02040503050406030204" pitchFamily="18" charset="0"/>
+                            </a:rPr>
+                            <m:t>&gt;</m:t>
+                          </m:r>
+                        </m:sup>
+                      </m:sSup>
+                    </m:oMath>
+                  </m:oMathPara>
+                </a14:m>
+                <a:endParaRPr lang="zh-CN" altLang="en-US" sz="2400" dirty="0"/>
+              </a:p>
+            </p:txBody>
+          </p:sp>
+        </mc:Choice>
+        <mc:Fallback>
+          <p:sp>
+            <p:nvSpPr>
+              <p:cNvPr id="27" name="文本框 26">
+                <a:extLst>
+                  <a:ext uri="{FF2B5EF4-FFF2-40B4-BE49-F238E27FC236}">
+                    <a16:creationId xmlns:a16="http://schemas.microsoft.com/office/drawing/2014/main" id="{80FA608F-8813-4BF0-919D-66CBAD783F80}"/>
+                  </a:ext>
+                </a:extLst>
+              </p:cNvPr>
+              <p:cNvSpPr txBox="1">
+                <a:spLocks noRot="1" noChangeAspect="1" noMove="1" noResize="1" noEditPoints="1" noAdjustHandles="1" noChangeArrowheads="1" noChangeShapeType="1" noTextEdit="1"/>
+              </p:cNvSpPr>
+              <p:nvPr/>
+            </p:nvSpPr>
+            <p:spPr>
+              <a:xfrm>
+                <a:off x="6561468" y="1918853"/>
+                <a:ext cx="1346364" cy="461665"/>
+              </a:xfrm>
+              <a:prstGeom prst="rect">
+                <a:avLst/>
+              </a:prstGeom>
+              <a:blipFill>
+                <a:blip r:embed="rId3"/>
+                <a:stretch>
+                  <a:fillRect/>
+                </a:stretch>
+              </a:blipFill>
+            </p:spPr>
+            <p:txBody>
+              <a:bodyPr/>
+              <a:lstStyle/>
+              <a:p>
+                <a:r>
+                  <a:rPr lang="zh-CN" altLang="en-US">
+                    <a:noFill/>
+                  </a:rPr>
+                  <a:t> </a:t>
+                </a:r>
+              </a:p>
+            </p:txBody>
+          </p:sp>
+        </mc:Fallback>
+      </mc:AlternateContent>
+      <mc:AlternateContent xmlns:mc="http://schemas.openxmlformats.org/markup-compatibility/2006">
+        <mc:Choice xmlns:a14="http://schemas.microsoft.com/office/drawing/2010/main" Requires="a14">
+          <p:sp>
+            <p:nvSpPr>
+              <p:cNvPr id="28" name="文本框 27">
+                <a:extLst>
+                  <a:ext uri="{FF2B5EF4-FFF2-40B4-BE49-F238E27FC236}">
+                    <a16:creationId xmlns:a16="http://schemas.microsoft.com/office/drawing/2014/main" id="{616CC8CD-0B55-4BD0-9ED0-B16F9A111AB4}"/>
+                  </a:ext>
+                </a:extLst>
+              </p:cNvPr>
+              <p:cNvSpPr txBox="1"/>
+              <p:nvPr/>
+            </p:nvSpPr>
+            <p:spPr>
+              <a:xfrm>
+                <a:off x="4148798" y="3155121"/>
+                <a:ext cx="1346364" cy="461665"/>
+              </a:xfrm>
+              <a:prstGeom prst="rect">
+                <a:avLst/>
+              </a:prstGeom>
+              <a:noFill/>
+            </p:spPr>
+            <p:txBody>
+              <a:bodyPr wrap="square">
+                <a:spAutoFit/>
+              </a:bodyPr>
+              <a:lstStyle/>
+              <a:p>
+                <a:pPr/>
+                <a14:m>
+                  <m:oMathPara xmlns:m="http://schemas.openxmlformats.org/officeDocument/2006/math">
+                    <m:oMathParaPr>
+                      <m:jc m:val="centerGroup"/>
+                    </m:oMathParaPr>
+                    <m:oMath xmlns:m="http://schemas.openxmlformats.org/officeDocument/2006/math">
+                      <m:sSup>
+                        <m:sSupPr>
+                          <m:ctrlPr>
+                            <a:rPr lang="en-US" altLang="zh-CN" sz="2400" i="1" smtClean="0">
+                              <a:solidFill>
+                                <a:schemeClr val="tx1"/>
+                              </a:solidFill>
+                              <a:latin typeface="Cambria Math" panose="02040503050406030204" pitchFamily="18" charset="0"/>
+                            </a:rPr>
+                          </m:ctrlPr>
+                        </m:sSupPr>
+                        <m:e>
+                          <m:r>
+                            <a:rPr lang="en-US" altLang="zh-CN" sz="2400" b="0" i="1" smtClean="0">
+                              <a:solidFill>
+                                <a:schemeClr val="tx1"/>
+                              </a:solidFill>
+                              <a:latin typeface="Cambria Math" panose="02040503050406030204" pitchFamily="18" charset="0"/>
+                            </a:rPr>
+                            <m:t>𝑥</m:t>
+                          </m:r>
+                        </m:e>
+                        <m:sup>
+                          <m:r>
+                            <a:rPr lang="en-US" altLang="zh-CN" sz="2400" i="1" smtClean="0">
+                              <a:solidFill>
+                                <a:schemeClr val="tx1"/>
+                              </a:solidFill>
+                              <a:latin typeface="Cambria Math" panose="02040503050406030204" pitchFamily="18" charset="0"/>
+                            </a:rPr>
+                            <m:t>&lt;</m:t>
+                          </m:r>
+                          <m:r>
+                            <a:rPr lang="en-US" altLang="zh-CN" sz="2400" b="0" i="1" smtClean="0">
+                              <a:solidFill>
+                                <a:schemeClr val="tx1"/>
+                              </a:solidFill>
+                              <a:latin typeface="Cambria Math" panose="02040503050406030204" pitchFamily="18" charset="0"/>
+                            </a:rPr>
+                            <m:t>𝑡</m:t>
+                          </m:r>
+                          <m:r>
+                            <a:rPr lang="en-US" altLang="zh-CN" sz="2400" b="0" i="1" smtClean="0">
+                              <a:solidFill>
+                                <a:schemeClr val="tx1"/>
+                              </a:solidFill>
+                              <a:latin typeface="Cambria Math" panose="02040503050406030204" pitchFamily="18" charset="0"/>
+                            </a:rPr>
+                            <m:t>&gt;</m:t>
+                          </m:r>
+                        </m:sup>
+                      </m:sSup>
+                    </m:oMath>
+                  </m:oMathPara>
+                </a14:m>
+                <a:endParaRPr lang="zh-CN" altLang="en-US" sz="2400" dirty="0"/>
+              </a:p>
+            </p:txBody>
+          </p:sp>
+        </mc:Choice>
+        <mc:Fallback>
+          <p:sp>
+            <p:nvSpPr>
+              <p:cNvPr id="28" name="文本框 27">
+                <a:extLst>
+                  <a:ext uri="{FF2B5EF4-FFF2-40B4-BE49-F238E27FC236}">
+                    <a16:creationId xmlns:a16="http://schemas.microsoft.com/office/drawing/2014/main" id="{616CC8CD-0B55-4BD0-9ED0-B16F9A111AB4}"/>
+                  </a:ext>
+                </a:extLst>
+              </p:cNvPr>
+              <p:cNvSpPr txBox="1">
+                <a:spLocks noRot="1" noChangeAspect="1" noMove="1" noResize="1" noEditPoints="1" noAdjustHandles="1" noChangeArrowheads="1" noChangeShapeType="1" noTextEdit="1"/>
+              </p:cNvSpPr>
+              <p:nvPr/>
+            </p:nvSpPr>
+            <p:spPr>
+              <a:xfrm>
+                <a:off x="4148798" y="3155121"/>
+                <a:ext cx="1346364" cy="461665"/>
+              </a:xfrm>
+              <a:prstGeom prst="rect">
+                <a:avLst/>
+              </a:prstGeom>
+              <a:blipFill>
+                <a:blip r:embed="rId4"/>
+                <a:stretch>
+                  <a:fillRect/>
+                </a:stretch>
+              </a:blipFill>
+            </p:spPr>
+            <p:txBody>
+              <a:bodyPr/>
+              <a:lstStyle/>
+              <a:p>
+                <a:r>
+                  <a:rPr lang="zh-CN" altLang="en-US">
+                    <a:noFill/>
+                  </a:rPr>
+                  <a:t> </a:t>
+                </a:r>
+              </a:p>
+            </p:txBody>
+          </p:sp>
+        </mc:Fallback>
+      </mc:AlternateContent>
+      <mc:AlternateContent xmlns:mc="http://schemas.openxmlformats.org/markup-compatibility/2006">
+        <mc:Choice xmlns:a14="http://schemas.microsoft.com/office/drawing/2010/main" Requires="a14">
+          <p:sp>
+            <p:nvSpPr>
+              <p:cNvPr id="30" name="文本框 29">
+                <a:extLst>
+                  <a:ext uri="{FF2B5EF4-FFF2-40B4-BE49-F238E27FC236}">
+                    <a16:creationId xmlns:a16="http://schemas.microsoft.com/office/drawing/2014/main" id="{BAF40AD0-585C-47CF-9C7B-75E6ECCFA125}"/>
+                  </a:ext>
+                </a:extLst>
+              </p:cNvPr>
+              <p:cNvSpPr txBox="1"/>
+              <p:nvPr/>
+            </p:nvSpPr>
+            <p:spPr>
+              <a:xfrm>
+                <a:off x="5096294" y="40102"/>
+                <a:ext cx="1346364" cy="461665"/>
+              </a:xfrm>
+              <a:prstGeom prst="rect">
+                <a:avLst/>
+              </a:prstGeom>
+              <a:noFill/>
+            </p:spPr>
+            <p:txBody>
+              <a:bodyPr wrap="square">
+                <a:spAutoFit/>
+              </a:bodyPr>
+              <a:lstStyle/>
+              <a:p>
+                <a:pPr/>
+                <a14:m>
+                  <m:oMathPara xmlns:m="http://schemas.openxmlformats.org/officeDocument/2006/math">
+                    <m:oMathParaPr>
+                      <m:jc m:val="centerGroup"/>
+                    </m:oMathParaPr>
+                    <m:oMath xmlns:m="http://schemas.openxmlformats.org/officeDocument/2006/math">
+                      <m:sSup>
+                        <m:sSupPr>
+                          <m:ctrlPr>
+                            <a:rPr lang="en-US" altLang="zh-CN" sz="2400" b="0" i="0" smtClean="0">
+                              <a:solidFill>
+                                <a:schemeClr val="tx1"/>
+                              </a:solidFill>
+                              <a:latin typeface="Cambria Math" panose="02040503050406030204" pitchFamily="18" charset="0"/>
+                            </a:rPr>
+                          </m:ctrlPr>
+                        </m:sSupPr>
+                        <m:e>
+                          <m:acc>
+                            <m:accPr>
+                              <m:chr m:val="̂"/>
+                              <m:ctrlPr>
+                                <a:rPr lang="en-US" altLang="zh-CN" sz="2400" i="1" smtClean="0">
+                                  <a:solidFill>
+                                    <a:schemeClr val="tx1"/>
+                                  </a:solidFill>
+                                  <a:latin typeface="Cambria Math" panose="02040503050406030204" pitchFamily="18" charset="0"/>
+                                </a:rPr>
+                              </m:ctrlPr>
+                            </m:accPr>
+                            <m:e>
+                              <m:r>
+                                <a:rPr lang="en-US" altLang="zh-CN" sz="2400" b="0" i="1" smtClean="0">
+                                  <a:solidFill>
+                                    <a:schemeClr val="tx1"/>
+                                  </a:solidFill>
+                                  <a:latin typeface="Cambria Math" panose="02040503050406030204" pitchFamily="18" charset="0"/>
+                                </a:rPr>
+                                <m:t>𝑦</m:t>
+                              </m:r>
+                            </m:e>
+                          </m:acc>
+                        </m:e>
+                        <m:sup>
+                          <m:r>
+                            <a:rPr lang="en-US" altLang="zh-CN" sz="2400" b="0" i="0" smtClean="0">
+                              <a:solidFill>
+                                <a:schemeClr val="tx1"/>
+                              </a:solidFill>
+                              <a:latin typeface="Cambria Math" panose="02040503050406030204" pitchFamily="18" charset="0"/>
+                            </a:rPr>
+                            <m:t>&lt;</m:t>
+                          </m:r>
+                          <m:r>
+                            <a:rPr lang="en-US" altLang="zh-CN" sz="2400" b="0" i="1" smtClean="0">
+                              <a:solidFill>
+                                <a:schemeClr val="tx1"/>
+                              </a:solidFill>
+                              <a:latin typeface="Cambria Math" panose="02040503050406030204" pitchFamily="18" charset="0"/>
+                            </a:rPr>
+                            <m:t>𝑡</m:t>
+                          </m:r>
+                          <m:r>
+                            <a:rPr lang="en-US" altLang="zh-CN" sz="2400" b="0" i="0" smtClean="0">
+                              <a:solidFill>
+                                <a:schemeClr val="tx1"/>
+                              </a:solidFill>
+                              <a:latin typeface="Cambria Math" panose="02040503050406030204" pitchFamily="18" charset="0"/>
+                            </a:rPr>
+                            <m:t>&gt;</m:t>
+                          </m:r>
+                        </m:sup>
+                      </m:sSup>
+                    </m:oMath>
+                  </m:oMathPara>
+                </a14:m>
+                <a:endParaRPr lang="en-US" altLang="zh-CN" sz="2400" b="0" dirty="0">
+                  <a:solidFill>
+                    <a:schemeClr val="tx1"/>
+                  </a:solidFill>
+                </a:endParaRPr>
+              </a:p>
+            </p:txBody>
+          </p:sp>
+        </mc:Choice>
+        <mc:Fallback>
+          <p:sp>
+            <p:nvSpPr>
+              <p:cNvPr id="30" name="文本框 29">
+                <a:extLst>
+                  <a:ext uri="{FF2B5EF4-FFF2-40B4-BE49-F238E27FC236}">
+                    <a16:creationId xmlns:a16="http://schemas.microsoft.com/office/drawing/2014/main" id="{BAF40AD0-585C-47CF-9C7B-75E6ECCFA125}"/>
+                  </a:ext>
+                </a:extLst>
+              </p:cNvPr>
+              <p:cNvSpPr txBox="1">
+                <a:spLocks noRot="1" noChangeAspect="1" noMove="1" noResize="1" noEditPoints="1" noAdjustHandles="1" noChangeArrowheads="1" noChangeShapeType="1" noTextEdit="1"/>
+              </p:cNvSpPr>
+              <p:nvPr/>
+            </p:nvSpPr>
+            <p:spPr>
+              <a:xfrm>
+                <a:off x="5096294" y="40102"/>
+                <a:ext cx="1346364" cy="461665"/>
+              </a:xfrm>
+              <a:prstGeom prst="rect">
+                <a:avLst/>
+              </a:prstGeom>
+              <a:blipFill>
+                <a:blip r:embed="rId5"/>
+                <a:stretch>
+                  <a:fillRect t="-4000" b="-10667"/>
+                </a:stretch>
+              </a:blipFill>
+            </p:spPr>
+            <p:txBody>
+              <a:bodyPr/>
+              <a:lstStyle/>
+              <a:p>
+                <a:r>
+                  <a:rPr lang="zh-CN" altLang="en-US">
+                    <a:noFill/>
+                  </a:rPr>
+                  <a:t> </a:t>
+                </a:r>
+              </a:p>
+            </p:txBody>
+          </p:sp>
+        </mc:Fallback>
+      </mc:AlternateContent>
+    </p:spTree>
+    <p:extLst>
+      <p:ext uri="{BB962C8B-B14F-4D97-AF65-F5344CB8AC3E}">
+        <p14:creationId xmlns:p14="http://schemas.microsoft.com/office/powerpoint/2010/main" val="474400444"/>
       </p:ext>
     </p:extLst>
   </p:cSld>
